--- a/PrésentationduP7.pptx
+++ b/PrésentationduP7.pptx
@@ -9,8 +9,7 @@
     <p:sldId id="257" r:id="rId3"/>
     <p:sldId id="258" r:id="rId4"/>
     <p:sldId id="259" r:id="rId5"/>
-    <p:sldId id="260" r:id="rId6"/>
-    <p:sldId id="261" r:id="rId7"/>
+    <p:sldId id="261" r:id="rId6"/>
   </p:sldIdLst>
   <p:sldSz cx="12192000" cy="6858000"/>
   <p:notesSz cx="6858000" cy="9144000"/>
@@ -109,6 +108,11 @@
       </a:defRPr>
     </a:lvl9pPr>
   </p:defaultTextStyle>
+  <p:extLst>
+    <p:ext uri="{EFAFB233-063F-42B5-8137-9DF3F51BA10A}">
+      <p15:sldGuideLst xmlns:p15="http://schemas.microsoft.com/office/powerpoint/2012/main"/>
+    </p:ext>
+  </p:extLst>
 </p:presentation>
 </file>
 
@@ -259,7 +263,7 @@
           <a:p>
             <a:fld id="{CBAEEF4B-0BD9-3543-AD63-4F362C3D94FA}" type="datetimeFigureOut">
               <a:rPr lang="fr-FR" smtClean="0"/>
-              <a:t>06/05/2022</a:t>
+              <a:t>16/05/2022</a:t>
             </a:fld>
             <a:endParaRPr lang="fr-FR"/>
           </a:p>
@@ -457,7 +461,7 @@
           <a:p>
             <a:fld id="{CBAEEF4B-0BD9-3543-AD63-4F362C3D94FA}" type="datetimeFigureOut">
               <a:rPr lang="fr-FR" smtClean="0"/>
-              <a:t>06/05/2022</a:t>
+              <a:t>16/05/2022</a:t>
             </a:fld>
             <a:endParaRPr lang="fr-FR"/>
           </a:p>
@@ -665,7 +669,7 @@
           <a:p>
             <a:fld id="{CBAEEF4B-0BD9-3543-AD63-4F362C3D94FA}" type="datetimeFigureOut">
               <a:rPr lang="fr-FR" smtClean="0"/>
-              <a:t>06/05/2022</a:t>
+              <a:t>16/05/2022</a:t>
             </a:fld>
             <a:endParaRPr lang="fr-FR"/>
           </a:p>
@@ -863,7 +867,7 @@
           <a:p>
             <a:fld id="{CBAEEF4B-0BD9-3543-AD63-4F362C3D94FA}" type="datetimeFigureOut">
               <a:rPr lang="fr-FR" smtClean="0"/>
-              <a:t>06/05/2022</a:t>
+              <a:t>16/05/2022</a:t>
             </a:fld>
             <a:endParaRPr lang="fr-FR"/>
           </a:p>
@@ -1138,7 +1142,7 @@
           <a:p>
             <a:fld id="{CBAEEF4B-0BD9-3543-AD63-4F362C3D94FA}" type="datetimeFigureOut">
               <a:rPr lang="fr-FR" smtClean="0"/>
-              <a:t>06/05/2022</a:t>
+              <a:t>16/05/2022</a:t>
             </a:fld>
             <a:endParaRPr lang="fr-FR"/>
           </a:p>
@@ -1403,7 +1407,7 @@
           <a:p>
             <a:fld id="{CBAEEF4B-0BD9-3543-AD63-4F362C3D94FA}" type="datetimeFigureOut">
               <a:rPr lang="fr-FR" smtClean="0"/>
-              <a:t>06/05/2022</a:t>
+              <a:t>16/05/2022</a:t>
             </a:fld>
             <a:endParaRPr lang="fr-FR"/>
           </a:p>
@@ -1815,7 +1819,7 @@
           <a:p>
             <a:fld id="{CBAEEF4B-0BD9-3543-AD63-4F362C3D94FA}" type="datetimeFigureOut">
               <a:rPr lang="fr-FR" smtClean="0"/>
-              <a:t>06/05/2022</a:t>
+              <a:t>16/05/2022</a:t>
             </a:fld>
             <a:endParaRPr lang="fr-FR"/>
           </a:p>
@@ -1956,7 +1960,7 @@
           <a:p>
             <a:fld id="{CBAEEF4B-0BD9-3543-AD63-4F362C3D94FA}" type="datetimeFigureOut">
               <a:rPr lang="fr-FR" smtClean="0"/>
-              <a:t>06/05/2022</a:t>
+              <a:t>16/05/2022</a:t>
             </a:fld>
             <a:endParaRPr lang="fr-FR"/>
           </a:p>
@@ -2069,7 +2073,7 @@
           <a:p>
             <a:fld id="{CBAEEF4B-0BD9-3543-AD63-4F362C3D94FA}" type="datetimeFigureOut">
               <a:rPr lang="fr-FR" smtClean="0"/>
-              <a:t>06/05/2022</a:t>
+              <a:t>16/05/2022</a:t>
             </a:fld>
             <a:endParaRPr lang="fr-FR"/>
           </a:p>
@@ -2380,7 +2384,7 @@
           <a:p>
             <a:fld id="{CBAEEF4B-0BD9-3543-AD63-4F362C3D94FA}" type="datetimeFigureOut">
               <a:rPr lang="fr-FR" smtClean="0"/>
-              <a:t>06/05/2022</a:t>
+              <a:t>16/05/2022</a:t>
             </a:fld>
             <a:endParaRPr lang="fr-FR"/>
           </a:p>
@@ -2668,7 +2672,7 @@
           <a:p>
             <a:fld id="{CBAEEF4B-0BD9-3543-AD63-4F362C3D94FA}" type="datetimeFigureOut">
               <a:rPr lang="fr-FR" smtClean="0"/>
-              <a:t>06/05/2022</a:t>
+              <a:t>16/05/2022</a:t>
             </a:fld>
             <a:endParaRPr lang="fr-FR"/>
           </a:p>
@@ -2909,7 +2913,7 @@
           <a:p>
             <a:fld id="{CBAEEF4B-0BD9-3543-AD63-4F362C3D94FA}" type="datetimeFigureOut">
               <a:rPr lang="fr-FR" smtClean="0"/>
-              <a:t>06/05/2022</a:t>
+              <a:t>16/05/2022</a:t>
             </a:fld>
             <a:endParaRPr lang="fr-FR"/>
           </a:p>
@@ -3530,14 +3534,11 @@
           <a:p>
             <a:r>
               <a:rPr lang="fr-FR" dirty="0"/>
-              <a:t>Présentation du code</a:t>
-            </a:r>
-          </a:p>
-          <a:p>
-            <a:r>
-              <a:rPr lang="fr-FR" dirty="0"/>
-              <a:t>Conclusion</a:t>
-            </a:r>
+              <a:t>Présentation des fonctionnalités</a:t>
+            </a:r>
+          </a:p>
+          <a:p>
+            <a:endParaRPr lang="fr-FR" dirty="0"/>
           </a:p>
         </p:txBody>
       </p:sp>
@@ -3563,8 +3564,8 @@
         </p:blipFill>
         <p:spPr>
           <a:xfrm>
-            <a:off x="5478439" y="0"/>
-            <a:ext cx="6858000" cy="6858000"/>
+            <a:off x="5902036" y="0"/>
+            <a:ext cx="6642222" cy="6858000"/>
           </a:xfrm>
           <a:prstGeom prst="rect">
             <a:avLst/>
@@ -3737,7 +3738,7 @@
               <a:rPr lang="fr-FR" sz="2000" dirty="0">
                 <a:latin typeface="Montserrat" pitchFamily="2" charset="77"/>
               </a:rPr>
-              <a:t> a laissé libre cours à son imagination pour les fonctionnalités du réseau et a imaginé plusieurs briques pour favoriser les échanges entre collègues. Le projet est un MVP c’est-à-dire un premier jet, qui s’améliorera au fur a mesure des désirs du client. J’ai choisit comme fonctionnalité le partage et la possibilité de commenter des articles, la création d’un profil simple et rapide et le maintient d’une session utilisateur pendant 24h. La création de ce réseau social m’a pris un peu moins d’un mois.</a:t>
+              <a:t> a laissé libre cours à mon imagination pour les fonctionnalités du réseau et a imaginé plusieurs briques pour favoriser les échanges entre collègues. Le projet est un MVP c’est-à-dire un premier jet, qui s’améliorera au fur a mesure des désirs du client. J’ai choisit comme fonctionnalité le partage et la possibilité de commenter des articles, la création d’un profil simple et rapide et le maintient d’une session utilisateur pendant 24h. La création de ce réseau social m’a pris 50H.</a:t>
             </a:r>
             <a:endParaRPr lang="fr-FR" sz="2000" dirty="0"/>
           </a:p>
@@ -3856,16 +3857,6 @@
 <file path=ppt/slides/slide5.xml><?xml version="1.0" encoding="utf-8"?>
 <p:sld xmlns:a="http://schemas.openxmlformats.org/drawingml/2006/main" xmlns:r="http://schemas.openxmlformats.org/officeDocument/2006/relationships" xmlns:p="http://schemas.openxmlformats.org/presentationml/2006/main">
   <p:cSld>
-    <p:bg>
-      <p:bgPr>
-        <a:solidFill>
-          <a:schemeClr val="bg1">
-            <a:alpha val="28055"/>
-          </a:schemeClr>
-        </a:solidFill>
-        <a:effectLst/>
-      </p:bgPr>
-    </p:bg>
     <p:spTree>
       <p:nvGrpSpPr>
         <p:cNvPr id="1" name=""/>
@@ -3934,171 +3925,7 @@
           <a:p>
             <a:r>
               <a:rPr lang="fr-FR" dirty="0"/>
-              <a:t>Présentation du code:</a:t>
-            </a:r>
-          </a:p>
-        </p:txBody>
-      </p:sp>
-    </p:spTree>
-    <p:extLst>
-      <p:ext uri="{BB962C8B-B14F-4D97-AF65-F5344CB8AC3E}">
-        <p14:creationId xmlns:p14="http://schemas.microsoft.com/office/powerpoint/2010/main" val="1414108187"/>
-      </p:ext>
-    </p:extLst>
-  </p:cSld>
-  <p:clrMapOvr>
-    <a:masterClrMapping/>
-  </p:clrMapOvr>
-</p:sld>
-</file>
-
-<file path=ppt/slides/slide6.xml><?xml version="1.0" encoding="utf-8"?>
-<p:sld xmlns:a="http://schemas.openxmlformats.org/drawingml/2006/main" xmlns:r="http://schemas.openxmlformats.org/officeDocument/2006/relationships" xmlns:p="http://schemas.openxmlformats.org/presentationml/2006/main">
-  <p:cSld>
-    <p:spTree>
-      <p:nvGrpSpPr>
-        <p:cNvPr id="1" name=""/>
-        <p:cNvGrpSpPr/>
-        <p:nvPr/>
-      </p:nvGrpSpPr>
-      <p:grpSpPr>
-        <a:xfrm>
-          <a:off x="0" y="0"/>
-          <a:ext cx="0" cy="0"/>
-          <a:chOff x="0" y="0"/>
-          <a:chExt cx="0" cy="0"/>
-        </a:xfrm>
-      </p:grpSpPr>
-      <p:pic>
-        <p:nvPicPr>
-          <p:cNvPr id="5" name="Espace réservé du contenu 4">
-            <a:extLst>
-              <a:ext uri="{FF2B5EF4-FFF2-40B4-BE49-F238E27FC236}">
-                <a16:creationId xmlns:a16="http://schemas.microsoft.com/office/drawing/2014/main" id="{3AA1DAE5-D142-A99D-6E38-7081ACC8FF1E}"/>
-              </a:ext>
-            </a:extLst>
-          </p:cNvPr>
-          <p:cNvPicPr preferRelativeResize="0">
-            <a:picLocks noGrp="1" noChangeAspect="1"/>
-          </p:cNvPicPr>
-          <p:nvPr>
-            <p:ph idx="1"/>
-          </p:nvPr>
-        </p:nvPicPr>
-        <p:blipFill>
-          <a:blip r:embed="rId2">
-            <a:alphaModFix amt="31000"/>
-          </a:blip>
-          <a:stretch>
-            <a:fillRect/>
-          </a:stretch>
-        </p:blipFill>
-        <p:spPr>
-          <a:xfrm>
-            <a:off x="0" y="0"/>
-            <a:ext cx="12192000" cy="6858000"/>
-          </a:xfrm>
-        </p:spPr>
-      </p:pic>
-      <p:sp>
-        <p:nvSpPr>
-          <p:cNvPr id="2" name="Titre 1">
-            <a:extLst>
-              <a:ext uri="{FF2B5EF4-FFF2-40B4-BE49-F238E27FC236}">
-                <a16:creationId xmlns:a16="http://schemas.microsoft.com/office/drawing/2014/main" id="{BFABAAE3-26F1-9F44-CDFF-87DB046AD2EF}"/>
-              </a:ext>
-            </a:extLst>
-          </p:cNvPr>
-          <p:cNvSpPr>
-            <a:spLocks noGrp="1"/>
-          </p:cNvSpPr>
-          <p:nvPr>
-            <p:ph type="title"/>
-          </p:nvPr>
-        </p:nvSpPr>
-        <p:spPr/>
-        <p:txBody>
-          <a:bodyPr/>
-          <a:lstStyle/>
-          <a:p>
-            <a:r>
-              <a:rPr lang="fr-FR" dirty="0"/>
               <a:t>Conclusion:</a:t>
-            </a:r>
-          </a:p>
-        </p:txBody>
-      </p:sp>
-      <p:sp>
-        <p:nvSpPr>
-          <p:cNvPr id="4" name="ZoneTexte 3">
-            <a:extLst>
-              <a:ext uri="{FF2B5EF4-FFF2-40B4-BE49-F238E27FC236}">
-                <a16:creationId xmlns:a16="http://schemas.microsoft.com/office/drawing/2014/main" id="{18DCE75A-B464-FA6E-14D2-29B6D50F9357}"/>
-              </a:ext>
-            </a:extLst>
-          </p:cNvPr>
-          <p:cNvSpPr txBox="1"/>
-          <p:nvPr/>
-        </p:nvSpPr>
-        <p:spPr>
-          <a:xfrm>
-            <a:off x="863600" y="1690688"/>
-            <a:ext cx="10490200" cy="3170099"/>
-          </a:xfrm>
-          <a:prstGeom prst="rect">
-            <a:avLst/>
-          </a:prstGeom>
-          <a:noFill/>
-        </p:spPr>
-        <p:txBody>
-          <a:bodyPr wrap="square" rtlCol="0">
-            <a:spAutoFit/>
-          </a:bodyPr>
-          <a:lstStyle/>
-          <a:p>
-            <a:r>
-              <a:rPr lang="fr-FR" sz="2000" dirty="0"/>
-              <a:t>Ce projet fut un vrai challenge. J’ai eu beaucoup de chance d’avoir travailler un projet similaire en MERN en plus de mes cours lors de mon p6, ce qui m’a permit d’avoir une bonne base pour commencer et perdre moins de temps sur la création  du visuel de mon site. </a:t>
-            </a:r>
-            <a:r>
-              <a:rPr lang="fr-FR" sz="2000" dirty="0" err="1"/>
-              <a:t>MySql</a:t>
-            </a:r>
-            <a:r>
-              <a:rPr lang="fr-FR" sz="2000" dirty="0"/>
-              <a:t> fut très intéressant à apprendre, hâte de commencer de vrai projet avec une base de donnée même si j’ai quand même une préférence pour </a:t>
-            </a:r>
-            <a:r>
-              <a:rPr lang="fr-FR" sz="2000" dirty="0" err="1"/>
-              <a:t>mongodb</a:t>
-            </a:r>
-            <a:r>
-              <a:rPr lang="fr-FR" sz="2000" dirty="0"/>
-              <a:t>. J’ai choisit de prendre REACT comme </a:t>
-            </a:r>
-            <a:r>
-              <a:rPr lang="fr-FR" sz="2000" dirty="0" err="1"/>
-              <a:t>framework</a:t>
-            </a:r>
-            <a:r>
-              <a:rPr lang="fr-FR" sz="2000" dirty="0"/>
-              <a:t> sur ce projet car après mettre bien renseigné, même si vue commence a prendre de plus en plus de part de marché, il reste encore un peu a part alors que les propositions d’emploie avec </a:t>
-            </a:r>
-            <a:r>
-              <a:rPr lang="fr-FR" sz="2000" dirty="0" err="1"/>
-              <a:t>react</a:t>
-            </a:r>
-            <a:r>
-              <a:rPr lang="fr-FR" sz="2000" dirty="0"/>
-              <a:t> sont encore très forte, le but étant de trouver un emploie rapidement après la formation mon choix c’est porté sur </a:t>
-            </a:r>
-            <a:r>
-              <a:rPr lang="fr-FR" sz="2000" dirty="0" err="1"/>
-              <a:t>react</a:t>
-            </a:r>
-            <a:r>
-              <a:rPr lang="fr-FR" sz="2000" dirty="0"/>
-              <a:t> même si je compte bien apprendre vue après mon diplôme pour maximiser mes chances d’embauche.</a:t>
             </a:r>
           </a:p>
         </p:txBody>

--- a/PrésentationduP7.pptx
+++ b/PrésentationduP7.pptx
@@ -263,7 +263,7 @@
           <a:p>
             <a:fld id="{CBAEEF4B-0BD9-3543-AD63-4F362C3D94FA}" type="datetimeFigureOut">
               <a:rPr lang="fr-FR" smtClean="0"/>
-              <a:t>16/05/2022</a:t>
+              <a:t>18/05/2022</a:t>
             </a:fld>
             <a:endParaRPr lang="fr-FR"/>
           </a:p>
@@ -461,7 +461,7 @@
           <a:p>
             <a:fld id="{CBAEEF4B-0BD9-3543-AD63-4F362C3D94FA}" type="datetimeFigureOut">
               <a:rPr lang="fr-FR" smtClean="0"/>
-              <a:t>16/05/2022</a:t>
+              <a:t>18/05/2022</a:t>
             </a:fld>
             <a:endParaRPr lang="fr-FR"/>
           </a:p>
@@ -669,7 +669,7 @@
           <a:p>
             <a:fld id="{CBAEEF4B-0BD9-3543-AD63-4F362C3D94FA}" type="datetimeFigureOut">
               <a:rPr lang="fr-FR" smtClean="0"/>
-              <a:t>16/05/2022</a:t>
+              <a:t>18/05/2022</a:t>
             </a:fld>
             <a:endParaRPr lang="fr-FR"/>
           </a:p>
@@ -867,7 +867,7 @@
           <a:p>
             <a:fld id="{CBAEEF4B-0BD9-3543-AD63-4F362C3D94FA}" type="datetimeFigureOut">
               <a:rPr lang="fr-FR" smtClean="0"/>
-              <a:t>16/05/2022</a:t>
+              <a:t>18/05/2022</a:t>
             </a:fld>
             <a:endParaRPr lang="fr-FR"/>
           </a:p>
@@ -1142,7 +1142,7 @@
           <a:p>
             <a:fld id="{CBAEEF4B-0BD9-3543-AD63-4F362C3D94FA}" type="datetimeFigureOut">
               <a:rPr lang="fr-FR" smtClean="0"/>
-              <a:t>16/05/2022</a:t>
+              <a:t>18/05/2022</a:t>
             </a:fld>
             <a:endParaRPr lang="fr-FR"/>
           </a:p>
@@ -1407,7 +1407,7 @@
           <a:p>
             <a:fld id="{CBAEEF4B-0BD9-3543-AD63-4F362C3D94FA}" type="datetimeFigureOut">
               <a:rPr lang="fr-FR" smtClean="0"/>
-              <a:t>16/05/2022</a:t>
+              <a:t>18/05/2022</a:t>
             </a:fld>
             <a:endParaRPr lang="fr-FR"/>
           </a:p>
@@ -1819,7 +1819,7 @@
           <a:p>
             <a:fld id="{CBAEEF4B-0BD9-3543-AD63-4F362C3D94FA}" type="datetimeFigureOut">
               <a:rPr lang="fr-FR" smtClean="0"/>
-              <a:t>16/05/2022</a:t>
+              <a:t>18/05/2022</a:t>
             </a:fld>
             <a:endParaRPr lang="fr-FR"/>
           </a:p>
@@ -1960,7 +1960,7 @@
           <a:p>
             <a:fld id="{CBAEEF4B-0BD9-3543-AD63-4F362C3D94FA}" type="datetimeFigureOut">
               <a:rPr lang="fr-FR" smtClean="0"/>
-              <a:t>16/05/2022</a:t>
+              <a:t>18/05/2022</a:t>
             </a:fld>
             <a:endParaRPr lang="fr-FR"/>
           </a:p>
@@ -2073,7 +2073,7 @@
           <a:p>
             <a:fld id="{CBAEEF4B-0BD9-3543-AD63-4F362C3D94FA}" type="datetimeFigureOut">
               <a:rPr lang="fr-FR" smtClean="0"/>
-              <a:t>16/05/2022</a:t>
+              <a:t>18/05/2022</a:t>
             </a:fld>
             <a:endParaRPr lang="fr-FR"/>
           </a:p>
@@ -2384,7 +2384,7 @@
           <a:p>
             <a:fld id="{CBAEEF4B-0BD9-3543-AD63-4F362C3D94FA}" type="datetimeFigureOut">
               <a:rPr lang="fr-FR" smtClean="0"/>
-              <a:t>16/05/2022</a:t>
+              <a:t>18/05/2022</a:t>
             </a:fld>
             <a:endParaRPr lang="fr-FR"/>
           </a:p>
@@ -2672,7 +2672,7 @@
           <a:p>
             <a:fld id="{CBAEEF4B-0BD9-3543-AD63-4F362C3D94FA}" type="datetimeFigureOut">
               <a:rPr lang="fr-FR" smtClean="0"/>
-              <a:t>16/05/2022</a:t>
+              <a:t>18/05/2022</a:t>
             </a:fld>
             <a:endParaRPr lang="fr-FR"/>
           </a:p>
@@ -2913,7 +2913,7 @@
           <a:p>
             <a:fld id="{CBAEEF4B-0BD9-3543-AD63-4F362C3D94FA}" type="datetimeFigureOut">
               <a:rPr lang="fr-FR" smtClean="0"/>
-              <a:t>16/05/2022</a:t>
+              <a:t>18/05/2022</a:t>
             </a:fld>
             <a:endParaRPr lang="fr-FR"/>
           </a:p>
@@ -3538,6 +3538,12 @@
             </a:r>
           </a:p>
           <a:p>
+            <a:r>
+              <a:rPr lang="fr-FR" dirty="0"/>
+              <a:t>Axe d’amélioration</a:t>
+            </a:r>
+          </a:p>
+          <a:p>
             <a:endParaRPr lang="fr-FR" dirty="0"/>
           </a:p>
         </p:txBody>
@@ -3738,7 +3744,19 @@
               <a:rPr lang="fr-FR" sz="2000" dirty="0">
                 <a:latin typeface="Montserrat" pitchFamily="2" charset="77"/>
               </a:rPr>
-              <a:t> a laissé libre cours à mon imagination pour les fonctionnalités du réseau et a imaginé plusieurs briques pour favoriser les échanges entre collègues. Le projet est un MVP c’est-à-dire un premier jet, qui s’améliorera au fur a mesure des désirs du client. J’ai choisit comme fonctionnalité le partage et la possibilité de commenter des articles, la création d’un profil simple et rapide et le maintient d’une session utilisateur pendant 24h. La création de ce réseau social m’a pris 50H.</a:t>
+              <a:t> a laissé libre cours à mon imagination pour le design et pour les fonctionnalités du réseau j’avais le choix entre deux options. Le projet est un MVP c’est-à-dire un premier jet, qui s’améliorera au fur a mesure des désirs du client. J’ai choisit </a:t>
+            </a:r>
+            <a:r>
+              <a:rPr lang="fr-FR" sz="2000">
+                <a:latin typeface="Montserrat" pitchFamily="2" charset="77"/>
+              </a:rPr>
+              <a:t>comme fonctionnalités </a:t>
+            </a:r>
+            <a:r>
+              <a:rPr lang="fr-FR" sz="2000" dirty="0">
+                <a:latin typeface="Montserrat" pitchFamily="2" charset="77"/>
+              </a:rPr>
+              <a:t>le partage et la possibilité de commenter des articles, la création d’un profil simple et rapide et le maintient d’une session utilisateur pendant 24h. La création de ce réseau social m’a pris 50H.</a:t>
             </a:r>
             <a:endParaRPr lang="fr-FR" sz="2000" dirty="0"/>
           </a:p>
@@ -3841,6 +3859,103 @@
           </a:p>
         </p:txBody>
       </p:sp>
+      <p:sp>
+        <p:nvSpPr>
+          <p:cNvPr id="3" name="ZoneTexte 2">
+            <a:extLst>
+              <a:ext uri="{FF2B5EF4-FFF2-40B4-BE49-F238E27FC236}">
+                <a16:creationId xmlns:a16="http://schemas.microsoft.com/office/drawing/2014/main" id="{25FA5EEA-0366-57A8-E84D-2004EC13AA01}"/>
+              </a:ext>
+            </a:extLst>
+          </p:cNvPr>
+          <p:cNvSpPr txBox="1"/>
+          <p:nvPr/>
+        </p:nvSpPr>
+        <p:spPr>
+          <a:xfrm>
+            <a:off x="838200" y="1896534"/>
+            <a:ext cx="10202333" cy="2585323"/>
+          </a:xfrm>
+          <a:prstGeom prst="rect">
+            <a:avLst/>
+          </a:prstGeom>
+          <a:noFill/>
+        </p:spPr>
+        <p:txBody>
+          <a:bodyPr wrap="square" rtlCol="0">
+            <a:spAutoFit/>
+          </a:bodyPr>
+          <a:lstStyle/>
+          <a:p>
+            <a:r>
+              <a:rPr lang="fr-FR" dirty="0">
+                <a:latin typeface=""/>
+              </a:rPr>
+              <a:t>1- Framework choisit REACT pourquoi : </a:t>
+            </a:r>
+            <a:r>
+              <a:rPr lang="fr-FR" dirty="0" err="1">
+                <a:latin typeface=""/>
+              </a:rPr>
+              <a:t>framework</a:t>
+            </a:r>
+            <a:r>
+              <a:rPr lang="fr-FR" dirty="0">
+                <a:latin typeface=""/>
+              </a:rPr>
+              <a:t> léger très populaire et possibilité de le faire évoluer rapidement et facilement parfait pour une méthode agile. </a:t>
+            </a:r>
+          </a:p>
+          <a:p>
+            <a:r>
+              <a:rPr lang="fr-FR" dirty="0">
+                <a:latin typeface=""/>
+              </a:rPr>
+              <a:t>2- Framework de mise en page SASS </a:t>
+            </a:r>
+            <a:r>
+              <a:rPr lang="fr-FR" dirty="0" err="1">
+                <a:latin typeface=""/>
+              </a:rPr>
+              <a:t>pourqoui</a:t>
+            </a:r>
+            <a:r>
+              <a:rPr lang="fr-FR" dirty="0">
+                <a:latin typeface=""/>
+              </a:rPr>
+              <a:t>: maintenabilité du code, changement hyper simple et rapide comme pour la couleur du site par exemple une seule ligne a remplacer et tout le site change</a:t>
+            </a:r>
+          </a:p>
+          <a:p>
+            <a:r>
+              <a:rPr lang="fr-FR" dirty="0">
+                <a:latin typeface=""/>
+              </a:rPr>
+              <a:t>3- Sécurité pour se protéger d’une attaque extérieur encore plus quand on est une entreprise.</a:t>
+            </a:r>
+          </a:p>
+          <a:p>
+            <a:r>
+              <a:rPr lang="fr-FR" dirty="0">
+                <a:latin typeface=""/>
+              </a:rPr>
+              <a:t>4- On est sur un MVP donc un premier jet j’ai privilégié certaine fonctionnalités plutôt que d’autre car pour moi il était important de présenter le projet rapidement et de pouvoir le mettre en ligne rapidement si l’on souhaite en attendant d’</a:t>
+            </a:r>
+            <a:r>
+              <a:rPr lang="fr-FR" dirty="0" err="1">
+                <a:latin typeface=""/>
+              </a:rPr>
+              <a:t>ameliorer</a:t>
+            </a:r>
+            <a:r>
+              <a:rPr lang="fr-FR" dirty="0">
+                <a:latin typeface=""/>
+              </a:rPr>
+              <a:t> d’autre axes.</a:t>
+            </a:r>
+          </a:p>
+        </p:txBody>
+      </p:sp>
     </p:spTree>
     <p:extLst>
       <p:ext uri="{BB962C8B-B14F-4D97-AF65-F5344CB8AC3E}">
@@ -3925,7 +4040,100 @@
           <a:p>
             <a:r>
               <a:rPr lang="fr-FR" dirty="0"/>
-              <a:t>Conclusion:</a:t>
+              <a:t>Axe d’</a:t>
+            </a:r>
+            <a:r>
+              <a:rPr lang="fr-FR" dirty="0" err="1"/>
+              <a:t>amelioration</a:t>
+            </a:r>
+            <a:r>
+              <a:rPr lang="fr-FR" dirty="0"/>
+              <a:t>:</a:t>
+            </a:r>
+          </a:p>
+        </p:txBody>
+      </p:sp>
+      <p:sp>
+        <p:nvSpPr>
+          <p:cNvPr id="3" name="ZoneTexte 2">
+            <a:extLst>
+              <a:ext uri="{FF2B5EF4-FFF2-40B4-BE49-F238E27FC236}">
+                <a16:creationId xmlns:a16="http://schemas.microsoft.com/office/drawing/2014/main" id="{3EAF686B-0D5D-AF8A-6C77-9A81A832B2FD}"/>
+              </a:ext>
+            </a:extLst>
+          </p:cNvPr>
+          <p:cNvSpPr txBox="1"/>
+          <p:nvPr/>
+        </p:nvSpPr>
+        <p:spPr>
+          <a:xfrm>
+            <a:off x="880533" y="2167467"/>
+            <a:ext cx="10549467" cy="1631216"/>
+          </a:xfrm>
+          <a:prstGeom prst="rect">
+            <a:avLst/>
+          </a:prstGeom>
+          <a:noFill/>
+        </p:spPr>
+        <p:txBody>
+          <a:bodyPr wrap="square" rtlCol="0">
+            <a:spAutoFit/>
+          </a:bodyPr>
+          <a:lstStyle/>
+          <a:p>
+            <a:r>
+              <a:rPr lang="fr-FR" sz="2000" dirty="0">
+                <a:latin typeface=""/>
+              </a:rPr>
+              <a:t>On peut imaginer pour la suite, la possibilité de liker ou non les </a:t>
+            </a:r>
+            <a:r>
+              <a:rPr lang="fr-FR" sz="2000" dirty="0" err="1">
+                <a:latin typeface=""/>
+              </a:rPr>
+              <a:t>posts</a:t>
+            </a:r>
+            <a:r>
+              <a:rPr lang="fr-FR" sz="2000" dirty="0">
+                <a:latin typeface=""/>
+              </a:rPr>
+              <a:t>, la possibilité à un admin de contrôler et de pouvoir supprimer des </a:t>
+            </a:r>
+            <a:r>
+              <a:rPr lang="fr-FR" sz="2000" dirty="0" err="1">
+                <a:latin typeface=""/>
+              </a:rPr>
+              <a:t>posts</a:t>
+            </a:r>
+            <a:r>
+              <a:rPr lang="fr-FR" sz="2000" dirty="0">
+                <a:latin typeface=""/>
+              </a:rPr>
+              <a:t> qui ne </a:t>
+            </a:r>
+            <a:r>
+              <a:rPr lang="fr-FR" sz="2000" dirty="0" err="1">
+                <a:latin typeface=""/>
+              </a:rPr>
+              <a:t>réspecte</a:t>
+            </a:r>
+            <a:r>
+              <a:rPr lang="fr-FR" sz="2000" dirty="0">
+                <a:latin typeface=""/>
+              </a:rPr>
+              <a:t> pas les règles du forum, la possibilité de se suivre entre collègues pour voir en priorité les </a:t>
+            </a:r>
+            <a:r>
+              <a:rPr lang="fr-FR" sz="2000" dirty="0" err="1">
+                <a:latin typeface=""/>
+              </a:rPr>
+              <a:t>posts</a:t>
+            </a:r>
+            <a:r>
+              <a:rPr lang="fr-FR" sz="2000" dirty="0">
+                <a:latin typeface=""/>
+              </a:rPr>
+              <a:t> des collègues qu’on suit, un chat en direct peut être intéressant aussi enfin bon plein de possibilité encore a venir.</a:t>
             </a:r>
           </a:p>
         </p:txBody>
